--- a/pres-source/12-machine-learning.pptx
+++ b/pres-source/12-machine-learning.pptx
@@ -5,7 +5,7 @@
     <p:sldMasterId id="2147483648" r:id="rId1"/>
   </p:sldMasterIdLst>
   <p:notesMasterIdLst>
-    <p:notesMasterId r:id="rId26"/>
+    <p:notesMasterId r:id="rId28"/>
   </p:notesMasterIdLst>
   <p:sldIdLst>
     <p:sldId id="256" r:id="rId2"/>
@@ -31,7 +31,9 @@
     <p:sldId id="313" r:id="rId22"/>
     <p:sldId id="314" r:id="rId23"/>
     <p:sldId id="315" r:id="rId24"/>
-    <p:sldId id="293" r:id="rId25"/>
+    <p:sldId id="317" r:id="rId25"/>
+    <p:sldId id="316" r:id="rId26"/>
+    <p:sldId id="293" r:id="rId27"/>
   </p:sldIdLst>
   <p:sldSz cx="9144000" cy="6858000" type="screen4x3"/>
   <p:notesSz cx="6858000" cy="9144000"/>
@@ -11273,6 +11275,262 @@
           <a:p>
             <a:r>
               <a:rPr lang="en-US" dirty="0" smtClean="0"/>
+              <a:t>Big Data ML</a:t>
+            </a:r>
+            <a:endParaRPr lang="en-US" dirty="0"/>
+          </a:p>
+        </p:txBody>
+      </p:sp>
+      <p:sp>
+        <p:nvSpPr>
+          <p:cNvPr id="3" name="Content Placeholder 2"/>
+          <p:cNvSpPr>
+            <a:spLocks noGrp="1"/>
+          </p:cNvSpPr>
+          <p:nvPr>
+            <p:ph idx="1"/>
+          </p:nvPr>
+        </p:nvSpPr>
+        <p:spPr/>
+        <p:txBody>
+          <a:bodyPr>
+            <a:normAutofit fontScale="92500" lnSpcReduction="20000"/>
+          </a:bodyPr>
+          <a:lstStyle/>
+          <a:p>
+            <a:r>
+              <a:rPr lang="en-US" dirty="0" smtClean="0"/>
+              <a:t>Obviously we can learn more insights with more data</a:t>
+            </a:r>
+          </a:p>
+          <a:p>
+            <a:r>
+              <a:rPr lang="en-US" dirty="0" smtClean="0"/>
+              <a:t>Many examples </a:t>
+            </a:r>
+          </a:p>
+          <a:p>
+            <a:pPr lvl="1"/>
+            <a:r>
+              <a:rPr lang="en-US" dirty="0" smtClean="0"/>
+              <a:t>Netflix competition</a:t>
+            </a:r>
+          </a:p>
+          <a:p>
+            <a:pPr lvl="1"/>
+            <a:r>
+              <a:rPr lang="en-US" dirty="0" smtClean="0"/>
+              <a:t>Google, Facebook, Twitter </a:t>
+            </a:r>
+            <a:r>
+              <a:rPr lang="en-US" dirty="0" err="1" smtClean="0"/>
+              <a:t>etc</a:t>
+            </a:r>
+            <a:r>
+              <a:rPr lang="en-US" dirty="0" smtClean="0"/>
+              <a:t> are all doing big data ML</a:t>
+            </a:r>
+          </a:p>
+          <a:p>
+            <a:r>
+              <a:rPr lang="en-US" dirty="0" smtClean="0"/>
+              <a:t>Obviously we want the right algorithms:</a:t>
+            </a:r>
+          </a:p>
+          <a:p>
+            <a:pPr lvl="1"/>
+            <a:r>
+              <a:rPr lang="en-US" dirty="0" smtClean="0"/>
+              <a:t>E.g. </a:t>
+            </a:r>
+            <a:r>
+              <a:rPr lang="en-US" dirty="0" err="1" smtClean="0"/>
+              <a:t>Kmeans</a:t>
+            </a:r>
+            <a:r>
+              <a:rPr lang="en-US" dirty="0" smtClean="0"/>
+              <a:t>++ is a parallelizable version of </a:t>
+            </a:r>
+            <a:r>
+              <a:rPr lang="en-US" dirty="0" err="1" smtClean="0"/>
+              <a:t>Kmeans</a:t>
+            </a:r>
+            <a:endParaRPr lang="en-US" dirty="0" smtClean="0"/>
+          </a:p>
+          <a:p>
+            <a:r>
+              <a:rPr lang="en-US" dirty="0" err="1" smtClean="0"/>
+              <a:t>MLLib</a:t>
+            </a:r>
+            <a:r>
+              <a:rPr lang="en-US" dirty="0"/>
+              <a:t> </a:t>
+            </a:r>
+            <a:r>
+              <a:rPr lang="en-US" dirty="0" smtClean="0"/>
+              <a:t>and Mahout come pre-built with these</a:t>
+            </a:r>
+            <a:endParaRPr lang="en-US" dirty="0"/>
+          </a:p>
+        </p:txBody>
+      </p:sp>
+    </p:spTree>
+    <p:extLst>
+      <p:ext uri="{BB962C8B-B14F-4D97-AF65-F5344CB8AC3E}">
+        <p14:creationId xmlns:p14="http://schemas.microsoft.com/office/powerpoint/2010/main" val="1395909251"/>
+      </p:ext>
+    </p:extLst>
+  </p:cSld>
+  <p:clrMapOvr>
+    <a:masterClrMapping/>
+  </p:clrMapOvr>
+</p:sld>
+</file>
+
+<file path=ppt/slides/slide25.xml><?xml version="1.0" encoding="utf-8"?>
+<p:sld xmlns:a="http://schemas.openxmlformats.org/drawingml/2006/main" xmlns:r="http://schemas.openxmlformats.org/officeDocument/2006/relationships" xmlns:p="http://schemas.openxmlformats.org/presentationml/2006/main">
+  <p:cSld>
+    <p:spTree>
+      <p:nvGrpSpPr>
+        <p:cNvPr id="1" name=""/>
+        <p:cNvGrpSpPr/>
+        <p:nvPr/>
+      </p:nvGrpSpPr>
+      <p:grpSpPr>
+        <a:xfrm>
+          <a:off x="0" y="0"/>
+          <a:ext cx="0" cy="0"/>
+          <a:chOff x="0" y="0"/>
+          <a:chExt cx="0" cy="0"/>
+        </a:xfrm>
+      </p:grpSpPr>
+      <p:sp>
+        <p:nvSpPr>
+          <p:cNvPr id="2" name="Title 1"/>
+          <p:cNvSpPr>
+            <a:spLocks noGrp="1"/>
+          </p:cNvSpPr>
+          <p:nvPr>
+            <p:ph type="title"/>
+          </p:nvPr>
+        </p:nvSpPr>
+        <p:spPr/>
+        <p:txBody>
+          <a:bodyPr/>
+          <a:lstStyle/>
+          <a:p>
+            <a:r>
+              <a:rPr lang="en-US" dirty="0" smtClean="0"/>
+              <a:t>Recap</a:t>
+            </a:r>
+            <a:endParaRPr lang="en-US" dirty="0"/>
+          </a:p>
+        </p:txBody>
+      </p:sp>
+      <p:sp>
+        <p:nvSpPr>
+          <p:cNvPr id="3" name="Content Placeholder 2"/>
+          <p:cNvSpPr>
+            <a:spLocks noGrp="1"/>
+          </p:cNvSpPr>
+          <p:nvPr>
+            <p:ph idx="1"/>
+          </p:nvPr>
+        </p:nvSpPr>
+        <p:spPr/>
+        <p:txBody>
+          <a:bodyPr/>
+          <a:lstStyle/>
+          <a:p>
+            <a:r>
+              <a:rPr lang="en-US" dirty="0" smtClean="0"/>
+              <a:t>Machine Learning is a powerful way of gaining insight and value from big data</a:t>
+            </a:r>
+          </a:p>
+          <a:p>
+            <a:pPr lvl="1"/>
+            <a:r>
+              <a:rPr lang="en-US" dirty="0" smtClean="0"/>
+              <a:t>Recommendation</a:t>
+            </a:r>
+          </a:p>
+          <a:p>
+            <a:pPr lvl="1"/>
+            <a:r>
+              <a:rPr lang="en-US" dirty="0" smtClean="0"/>
+              <a:t>Classification and prediction</a:t>
+            </a:r>
+          </a:p>
+          <a:p>
+            <a:pPr lvl="1"/>
+            <a:r>
+              <a:rPr lang="en-US" dirty="0" smtClean="0"/>
+              <a:t>Clustering and understanding</a:t>
+            </a:r>
+          </a:p>
+          <a:p>
+            <a:pPr lvl="1"/>
+            <a:r>
+              <a:rPr lang="en-US" dirty="0" err="1" smtClean="0"/>
+              <a:t>Etc</a:t>
+            </a:r>
+            <a:endParaRPr lang="en-US" smtClean="0"/>
+          </a:p>
+          <a:p>
+            <a:pPr marL="0" indent="0">
+              <a:buNone/>
+            </a:pPr>
+            <a:endParaRPr lang="en-US" dirty="0"/>
+          </a:p>
+        </p:txBody>
+      </p:sp>
+    </p:spTree>
+    <p:extLst>
+      <p:ext uri="{BB962C8B-B14F-4D97-AF65-F5344CB8AC3E}">
+        <p14:creationId xmlns:p14="http://schemas.microsoft.com/office/powerpoint/2010/main" val="12974543"/>
+      </p:ext>
+    </p:extLst>
+  </p:cSld>
+  <p:clrMapOvr>
+    <a:masterClrMapping/>
+  </p:clrMapOvr>
+</p:sld>
+</file>
+
+<file path=ppt/slides/slide26.xml><?xml version="1.0" encoding="utf-8"?>
+<p:sld xmlns:a="http://schemas.openxmlformats.org/drawingml/2006/main" xmlns:r="http://schemas.openxmlformats.org/officeDocument/2006/relationships" xmlns:p="http://schemas.openxmlformats.org/presentationml/2006/main">
+  <p:cSld>
+    <p:spTree>
+      <p:nvGrpSpPr>
+        <p:cNvPr id="1" name=""/>
+        <p:cNvGrpSpPr/>
+        <p:nvPr/>
+      </p:nvGrpSpPr>
+      <p:grpSpPr>
+        <a:xfrm>
+          <a:off x="0" y="0"/>
+          <a:ext cx="0" cy="0"/>
+          <a:chOff x="0" y="0"/>
+          <a:chExt cx="0" cy="0"/>
+        </a:xfrm>
+      </p:grpSpPr>
+      <p:sp>
+        <p:nvSpPr>
+          <p:cNvPr id="2" name="Title 1"/>
+          <p:cNvSpPr>
+            <a:spLocks noGrp="1"/>
+          </p:cNvSpPr>
+          <p:nvPr>
+            <p:ph type="title"/>
+          </p:nvPr>
+        </p:nvSpPr>
+        <p:spPr/>
+        <p:txBody>
+          <a:bodyPr/>
+          <a:lstStyle/>
+          <a:p>
+            <a:r>
+              <a:rPr lang="en-US" dirty="0" smtClean="0"/>
               <a:t>Questions?</a:t>
             </a:r>
             <a:endParaRPr lang="en-US" dirty="0"/>
